--- a/presentation/TUBS_CGI_stocks_app_presentation.pptx
+++ b/presentation/TUBS_CGI_stocks_app_presentation.pptx
@@ -463,7 +463,7 @@
             <a:fld id="{E4AA6088-1FF0-4E53-845C-EFEDD1C948F8}" type="slidenum">
               <a:rPr lang="de-DE"/>
               <a:pPr/>
-              <a:t>‹#›</a:t>
+              <a:t>‹Nr.›</a:t>
             </a:fld>
             <a:endParaRPr lang="de-DE"/>
           </a:p>
@@ -3374,7 +3374,7 @@
                   </a:schemeClr>
                 </a:solidFill>
               </a:rPr>
-              <a:t>‹#›</a:t>
+              <a:t>‹Nr.›</a:t>
             </a:fld>
             <a:endParaRPr lang="de-DE" sz="800" dirty="0">
               <a:solidFill>
@@ -3873,6 +3873,53 @@
           </a:p>
         </p:txBody>
       </p:sp>
+      <p:pic>
+        <p:nvPicPr>
+          <p:cNvPr id="2" name="Picture 2" descr="C:\Users\Jonas\Documents\Seafile\WINFO-DC\Logo\exports\Logo_Decision_Support_v1.png">
+            <a:extLst>
+              <a:ext uri="{FF2B5EF4-FFF2-40B4-BE49-F238E27FC236}">
+                <a16:creationId xmlns:a16="http://schemas.microsoft.com/office/drawing/2014/main" id="{A8382638-BF46-4758-9D6A-F76C2FB6E8A3}"/>
+              </a:ext>
+            </a:extLst>
+          </p:cNvPr>
+          <p:cNvPicPr>
+            <a:picLocks noChangeAspect="1" noChangeArrowheads="1"/>
+          </p:cNvPicPr>
+          <p:nvPr/>
+        </p:nvPicPr>
+        <p:blipFill>
+          <a:blip r:embed="rId2" cstate="print">
+            <a:extLst>
+              <a:ext uri="{28A0092B-C50C-407E-A947-70E740481C1C}">
+                <a14:useLocalDpi xmlns:a14="http://schemas.microsoft.com/office/drawing/2010/main" val="0"/>
+              </a:ext>
+            </a:extLst>
+          </a:blip>
+          <a:srcRect/>
+          <a:stretch>
+            <a:fillRect/>
+          </a:stretch>
+        </p:blipFill>
+        <p:spPr bwMode="auto">
+          <a:xfrm>
+            <a:off x="7010400" y="209550"/>
+            <a:ext cx="1860550" cy="806702"/>
+          </a:xfrm>
+          <a:prstGeom prst="rect">
+            <a:avLst/>
+          </a:prstGeom>
+          <a:noFill/>
+          <a:extLst>
+            <a:ext uri="{909E8E84-426E-40DD-AFC4-6F175D3DCCD1}">
+              <a14:hiddenFill xmlns:a14="http://schemas.microsoft.com/office/drawing/2010/main">
+                <a:solidFill>
+                  <a:srgbClr val="FFFFFF"/>
+                </a:solidFill>
+              </a14:hiddenFill>
+            </a:ext>
+          </a:extLst>
+        </p:spPr>
+      </p:pic>
     </p:spTree>
   </p:cSld>
   <p:clrMapOvr>

--- a/presentation/TUBS_CGI_stocks_app_presentation.pptx
+++ b/presentation/TUBS_CGI_stocks_app_presentation.pptx
@@ -5,7 +5,7 @@
     <p:sldMasterId id="2147483648" r:id="rId1"/>
   </p:sldMasterIdLst>
   <p:notesMasterIdLst>
-    <p:notesMasterId r:id="rId18"/>
+    <p:notesMasterId r:id="rId24"/>
   </p:notesMasterIdLst>
   <p:sldIdLst>
     <p:sldId id="256" r:id="rId2"/>
@@ -22,8 +22,14 @@
     <p:sldId id="299" r:id="rId13"/>
     <p:sldId id="300" r:id="rId14"/>
     <p:sldId id="306" r:id="rId15"/>
-    <p:sldId id="305" r:id="rId16"/>
-    <p:sldId id="291" r:id="rId17"/>
+    <p:sldId id="309" r:id="rId16"/>
+    <p:sldId id="316" r:id="rId17"/>
+    <p:sldId id="318" r:id="rId18"/>
+    <p:sldId id="317" r:id="rId19"/>
+    <p:sldId id="314" r:id="rId20"/>
+    <p:sldId id="315" r:id="rId21"/>
+    <p:sldId id="313" r:id="rId22"/>
+    <p:sldId id="291" r:id="rId23"/>
   </p:sldIdLst>
   <p:sldSz cx="9144000" cy="5143500" type="screen16x9"/>
   <p:notesSz cx="7099300" cy="10234613"/>
@@ -9571,7 +9577,64 @@
           <a:bodyPr/>
           <a:lstStyle/>
           <a:p>
-            <a:endParaRPr lang="en-US"/>
+            <a:pPr marL="285750" indent="-285750">
+              <a:buFont typeface="Wingdings" panose="05000000000000000000" pitchFamily="2" charset="2"/>
+              <a:buChar char="Ø"/>
+            </a:pPr>
+            <a:r>
+              <a:rPr lang="en-US" dirty="0"/>
+              <a:t>What if we turn the semantic chain around</a:t>
+            </a:r>
+          </a:p>
+          <a:p>
+            <a:pPr marL="476250" lvl="1" indent="-285750">
+              <a:buFont typeface="Wingdings" panose="05000000000000000000" pitchFamily="2" charset="2"/>
+              <a:buChar char="Ø"/>
+            </a:pPr>
+            <a:r>
+              <a:rPr lang="en-US" dirty="0"/>
+              <a:t>Strategy &gt; Preferences vs. Preferences &gt; Strategy</a:t>
+            </a:r>
+          </a:p>
+          <a:p>
+            <a:pPr marL="285750" indent="-285750">
+              <a:buFont typeface="Wingdings" panose="05000000000000000000" pitchFamily="2" charset="2"/>
+              <a:buChar char="Ø"/>
+            </a:pPr>
+            <a:r>
+              <a:rPr lang="en-US" dirty="0"/>
+              <a:t>More detailed step-by-step analysis on the results of certain strategies</a:t>
+            </a:r>
+          </a:p>
+          <a:p>
+            <a:pPr marL="285750" indent="-285750">
+              <a:buFont typeface="Wingdings" panose="05000000000000000000" pitchFamily="2" charset="2"/>
+              <a:buChar char="Ø"/>
+            </a:pPr>
+            <a:r>
+              <a:rPr lang="en-US" dirty="0"/>
+              <a:t>New API = more possibilities!</a:t>
+            </a:r>
+          </a:p>
+          <a:p>
+            <a:pPr marL="285750" indent="-285750">
+              <a:buFont typeface="Wingdings" panose="05000000000000000000" pitchFamily="2" charset="2"/>
+              <a:buChar char="Ø"/>
+            </a:pPr>
+            <a:r>
+              <a:rPr lang="en-US" dirty="0"/>
+              <a:t>More strategies &amp; preferences to increase the depth of the simulation</a:t>
+            </a:r>
+          </a:p>
+          <a:p>
+            <a:pPr marL="285750" indent="-285750">
+              <a:buFont typeface="Wingdings" panose="05000000000000000000" pitchFamily="2" charset="2"/>
+              <a:buChar char="Ø"/>
+            </a:pPr>
+            <a:r>
+              <a:rPr lang="en-US" dirty="0"/>
+              <a:t>Performance needs to be improved</a:t>
+            </a:r>
           </a:p>
         </p:txBody>
       </p:sp>
@@ -9610,7 +9673,7 @@
           <p:cNvPr id="2" name="Title 1">
             <a:extLst>
               <a:ext uri="{FF2B5EF4-FFF2-40B4-BE49-F238E27FC236}">
-                <a16:creationId xmlns:a16="http://schemas.microsoft.com/office/drawing/2014/main" id="{CB988CBC-D892-4683-ABE1-9D199B8EDCE7}"/>
+                <a16:creationId xmlns:a16="http://schemas.microsoft.com/office/drawing/2014/main" id="{14357DD4-B73A-4C28-B2B8-F3372AB54D7D}"/>
               </a:ext>
             </a:extLst>
           </p:cNvPr>
@@ -9618,7 +9681,7 @@
             <a:spLocks noGrp="1"/>
           </p:cNvSpPr>
           <p:nvPr>
-            <p:ph type="title"/>
+            <p:ph type="ctrTitle"/>
           </p:nvPr>
         </p:nvSpPr>
         <p:spPr/>
@@ -9630,38 +9693,13 @@
               <a:rPr lang="en-US" dirty="0"/>
               <a:t>Lessons learned</a:t>
             </a:r>
-          </a:p>
-        </p:txBody>
-      </p:sp>
-      <p:sp>
-        <p:nvSpPr>
-          <p:cNvPr id="3" name="Content Placeholder 2">
-            <a:extLst>
-              <a:ext uri="{FF2B5EF4-FFF2-40B4-BE49-F238E27FC236}">
-                <a16:creationId xmlns:a16="http://schemas.microsoft.com/office/drawing/2014/main" id="{4A924DA4-D810-4F25-87D2-75F1FCE1D3DD}"/>
-              </a:ext>
-            </a:extLst>
-          </p:cNvPr>
-          <p:cNvSpPr>
-            <a:spLocks noGrp="1"/>
-          </p:cNvSpPr>
-          <p:nvPr>
-            <p:ph idx="1"/>
-          </p:nvPr>
-        </p:nvSpPr>
-        <p:spPr/>
-        <p:txBody>
-          <a:bodyPr/>
-          <a:lstStyle/>
-          <a:p>
-            <a:endParaRPr lang="en-US" dirty="0"/>
           </a:p>
         </p:txBody>
       </p:sp>
     </p:spTree>
     <p:extLst>
       <p:ext uri="{BB962C8B-B14F-4D97-AF65-F5344CB8AC3E}">
-        <p14:creationId xmlns:p14="http://schemas.microsoft.com/office/powerpoint/2010/main" val="195206934"/>
+        <p14:creationId xmlns:p14="http://schemas.microsoft.com/office/powerpoint/2010/main" val="213805587"/>
       </p:ext>
     </p:extLst>
   </p:cSld>
@@ -9672,7 +9710,7 @@
 </file>
 
 <file path=ppt/slides/slide16.xml><?xml version="1.0" encoding="utf-8"?>
-<p:sld xmlns:a="http://schemas.openxmlformats.org/drawingml/2006/main" xmlns:r="http://schemas.openxmlformats.org/officeDocument/2006/relationships" xmlns:p="http://schemas.openxmlformats.org/presentationml/2006/main" show="0">
+<p:sld xmlns:a="http://schemas.openxmlformats.org/drawingml/2006/main" xmlns:r="http://schemas.openxmlformats.org/officeDocument/2006/relationships" xmlns:p="http://schemas.openxmlformats.org/presentationml/2006/main">
   <p:cSld>
     <p:spTree>
       <p:nvGrpSpPr>
@@ -9693,7 +9731,7 @@
           <p:cNvPr id="2" name="Title 1">
             <a:extLst>
               <a:ext uri="{FF2B5EF4-FFF2-40B4-BE49-F238E27FC236}">
-                <a16:creationId xmlns:a16="http://schemas.microsoft.com/office/drawing/2014/main" id="{56196C44-18FC-4B12-9B42-796ED669EC39}"/>
+                <a16:creationId xmlns:a16="http://schemas.microsoft.com/office/drawing/2014/main" id="{27884AAA-7877-4B2A-8733-294E38D3DEDE}"/>
               </a:ext>
             </a:extLst>
           </p:cNvPr>
@@ -9704,12 +9742,22 @@
             <p:ph type="title"/>
           </p:nvPr>
         </p:nvSpPr>
-        <p:spPr/>
-        <p:txBody>
-          <a:bodyPr/>
-          <a:lstStyle/>
-          <a:p>
-            <a:endParaRPr lang="en-US" dirty="0"/>
+        <p:spPr>
+          <a:xfrm>
+            <a:off x="431800" y="83344"/>
+            <a:ext cx="8375650" cy="531019"/>
+          </a:xfrm>
+        </p:spPr>
+        <p:txBody>
+          <a:bodyPr wrap="square" anchor="b">
+            <a:normAutofit/>
+          </a:bodyPr>
+          <a:lstStyle/>
+          <a:p>
+            <a:r>
+              <a:rPr lang="en-US" dirty="0"/>
+              <a:t>Being flexible with your responsibilities</a:t>
+            </a:r>
           </a:p>
         </p:txBody>
       </p:sp>
@@ -9718,7 +9766,7 @@
           <p:cNvPr id="3" name="Content Placeholder 2">
             <a:extLst>
               <a:ext uri="{FF2B5EF4-FFF2-40B4-BE49-F238E27FC236}">
-                <a16:creationId xmlns:a16="http://schemas.microsoft.com/office/drawing/2014/main" id="{E1A38F02-DE79-4A4F-A0B0-AD752012C3C9}"/>
+                <a16:creationId xmlns:a16="http://schemas.microsoft.com/office/drawing/2014/main" id="{84AD9BFC-EDCB-4F75-A311-E7127E0D1B8D}"/>
               </a:ext>
             </a:extLst>
           </p:cNvPr>
@@ -9726,123 +9774,435 @@
             <a:spLocks noGrp="1"/>
           </p:cNvSpPr>
           <p:nvPr>
-            <p:ph idx="1"/>
+            <p:ph type="body" idx="1"/>
           </p:nvPr>
         </p:nvSpPr>
-        <p:spPr/>
-        <p:txBody>
-          <a:bodyPr/>
-          <a:lstStyle/>
-          <a:p>
-            <a:endParaRPr lang="en-US" dirty="0"/>
-          </a:p>
-        </p:txBody>
-      </p:sp>
-      <p:sp>
-        <p:nvSpPr>
-          <p:cNvPr id="5" name="Rectangle 37">
-            <a:extLst>
-              <a:ext uri="{FF2B5EF4-FFF2-40B4-BE49-F238E27FC236}">
-                <a16:creationId xmlns:a16="http://schemas.microsoft.com/office/drawing/2014/main" id="{AEE6FF0F-050A-46C0-B22B-75ADC2D40148}"/>
-              </a:ext>
-            </a:extLst>
-          </p:cNvPr>
-          <p:cNvSpPr>
-            <a:spLocks noChangeArrowheads="1"/>
-          </p:cNvSpPr>
-          <p:nvPr/>
-        </p:nvSpPr>
-        <p:spPr bwMode="auto">
-          <a:xfrm>
-            <a:off x="431800" y="927603"/>
-            <a:ext cx="4597400" cy="371475"/>
-          </a:xfrm>
-          <a:prstGeom prst="rect">
-            <a:avLst/>
-          </a:prstGeom>
-          <a:solidFill>
-            <a:srgbClr val="BE1E3C"/>
-          </a:solidFill>
-          <a:ln w="9525" algn="ctr">
-            <a:noFill/>
-            <a:miter lim="800000"/>
-            <a:headEnd/>
-            <a:tailEnd/>
-          </a:ln>
-          <a:effectLst/>
-        </p:spPr>
-        <p:txBody>
-          <a:bodyPr wrap="none" anchor="ctr" anchorCtr="0"/>
-          <a:lstStyle/>
-          <a:p>
-            <a:r>
-              <a:rPr lang="pt-BR" sz="1400" b="1" dirty="0">
-                <a:solidFill>
-                  <a:schemeClr val="bg1"/>
-                </a:solidFill>
-                <a:latin typeface="+mj-lt"/>
-              </a:rPr>
-              <a:t>Stock information</a:t>
-            </a:r>
-          </a:p>
-        </p:txBody>
-      </p:sp>
-      <p:sp>
-        <p:nvSpPr>
-          <p:cNvPr id="7" name="Rectangle 37">
-            <a:extLst>
-              <a:ext uri="{FF2B5EF4-FFF2-40B4-BE49-F238E27FC236}">
-                <a16:creationId xmlns:a16="http://schemas.microsoft.com/office/drawing/2014/main" id="{F1BF2DF9-A2D0-4482-A190-1D526DD912F6}"/>
-              </a:ext>
-            </a:extLst>
-          </p:cNvPr>
-          <p:cNvSpPr>
-            <a:spLocks noChangeArrowheads="1"/>
-          </p:cNvSpPr>
-          <p:nvPr/>
-        </p:nvSpPr>
-        <p:spPr bwMode="auto">
-          <a:xfrm>
-            <a:off x="431800" y="1406434"/>
-            <a:ext cx="4597400" cy="3438500"/>
-          </a:xfrm>
-          <a:prstGeom prst="rect">
-            <a:avLst/>
-          </a:prstGeom>
-          <a:solidFill>
-            <a:schemeClr val="bg1"/>
-          </a:solidFill>
-          <a:ln w="9525" algn="ctr">
-            <a:solidFill>
-              <a:schemeClr val="bg1">
-                <a:lumMod val="85000"/>
-              </a:schemeClr>
-            </a:solidFill>
-            <a:miter lim="800000"/>
-            <a:headEnd/>
-            <a:tailEnd/>
-          </a:ln>
-          <a:effectLst/>
-        </p:spPr>
-        <p:txBody>
-          <a:bodyPr wrap="none" anchor="ctr" anchorCtr="0"/>
-          <a:lstStyle/>
-          <a:p>
-            <a:pPr marL="285750" indent="-285750">
-              <a:buFont typeface="Arial" panose="020B0604020202020204" pitchFamily="34" charset="0"/>
-              <a:buChar char="•"/>
-            </a:pPr>
-            <a:endParaRPr lang="pt-BR" dirty="0">
-              <a:latin typeface="Calibri" panose="020F0502020204030204" pitchFamily="34" charset="0"/>
-              <a:cs typeface="Calibri" panose="020F0502020204030204" pitchFamily="34" charset="0"/>
-            </a:endParaRPr>
+        <p:spPr>
+          <a:xfrm>
+            <a:off x="431800" y="1004888"/>
+            <a:ext cx="8370888" cy="3467100"/>
+          </a:xfrm>
+        </p:spPr>
+        <p:txBody>
+          <a:bodyPr wrap="square" anchor="ctr">
+            <a:normAutofit/>
+          </a:bodyPr>
+          <a:lstStyle/>
+          <a:p>
+            <a:pPr algn="ctr"/>
+            <a:r>
+              <a:rPr lang="en-US" sz="1800" dirty="0"/>
+              <a:t>The team member’s responsibilities can – and should! – adapt over time!</a:t>
+            </a:r>
+          </a:p>
+          <a:p>
+            <a:pPr algn="ctr"/>
+            <a:endParaRPr lang="en-US" sz="1800" b="0" i="0" u="none" strike="noStrike" baseline="0" dirty="0"/>
+          </a:p>
+          <a:p>
+            <a:pPr algn="ctr"/>
+            <a:r>
+              <a:rPr lang="en-US" sz="1800" dirty="0"/>
+              <a:t>Staying with the initial assignments can lead to one or several members having too much on their plate.</a:t>
+            </a:r>
+            <a:endParaRPr lang="en-US" sz="1800" b="0" i="0" u="none" strike="noStrike" baseline="0" dirty="0"/>
           </a:p>
         </p:txBody>
       </p:sp>
     </p:spTree>
     <p:extLst>
       <p:ext uri="{BB962C8B-B14F-4D97-AF65-F5344CB8AC3E}">
-        <p14:creationId xmlns:p14="http://schemas.microsoft.com/office/powerpoint/2010/main" val="2573809816"/>
+        <p14:creationId xmlns:p14="http://schemas.microsoft.com/office/powerpoint/2010/main" val="1957324033"/>
+      </p:ext>
+    </p:extLst>
+  </p:cSld>
+  <p:clrMapOvr>
+    <a:masterClrMapping/>
+  </p:clrMapOvr>
+</p:sld>
+</file>
+
+<file path=ppt/slides/slide17.xml><?xml version="1.0" encoding="utf-8"?>
+<p:sld xmlns:a="http://schemas.openxmlformats.org/drawingml/2006/main" xmlns:r="http://schemas.openxmlformats.org/officeDocument/2006/relationships" xmlns:p="http://schemas.openxmlformats.org/presentationml/2006/main">
+  <p:cSld>
+    <p:spTree>
+      <p:nvGrpSpPr>
+        <p:cNvPr id="1" name=""/>
+        <p:cNvGrpSpPr/>
+        <p:nvPr/>
+      </p:nvGrpSpPr>
+      <p:grpSpPr>
+        <a:xfrm>
+          <a:off x="0" y="0"/>
+          <a:ext cx="0" cy="0"/>
+          <a:chOff x="0" y="0"/>
+          <a:chExt cx="0" cy="0"/>
+        </a:xfrm>
+      </p:grpSpPr>
+      <p:sp>
+        <p:nvSpPr>
+          <p:cNvPr id="2" name="Title 1">
+            <a:extLst>
+              <a:ext uri="{FF2B5EF4-FFF2-40B4-BE49-F238E27FC236}">
+                <a16:creationId xmlns:a16="http://schemas.microsoft.com/office/drawing/2014/main" id="{27884AAA-7877-4B2A-8733-294E38D3DEDE}"/>
+              </a:ext>
+            </a:extLst>
+          </p:cNvPr>
+          <p:cNvSpPr>
+            <a:spLocks noGrp="1"/>
+          </p:cNvSpPr>
+          <p:nvPr>
+            <p:ph type="title"/>
+          </p:nvPr>
+        </p:nvSpPr>
+        <p:spPr>
+          <a:xfrm>
+            <a:off x="431800" y="83344"/>
+            <a:ext cx="8375650" cy="531019"/>
+          </a:xfrm>
+        </p:spPr>
+        <p:txBody>
+          <a:bodyPr wrap="square" anchor="b">
+            <a:normAutofit/>
+          </a:bodyPr>
+          <a:lstStyle/>
+          <a:p>
+            <a:r>
+              <a:rPr lang="en-US" dirty="0"/>
+              <a:t>QA is important!</a:t>
+            </a:r>
+          </a:p>
+        </p:txBody>
+      </p:sp>
+      <p:sp>
+        <p:nvSpPr>
+          <p:cNvPr id="3" name="Content Placeholder 2">
+            <a:extLst>
+              <a:ext uri="{FF2B5EF4-FFF2-40B4-BE49-F238E27FC236}">
+                <a16:creationId xmlns:a16="http://schemas.microsoft.com/office/drawing/2014/main" id="{84AD9BFC-EDCB-4F75-A311-E7127E0D1B8D}"/>
+              </a:ext>
+            </a:extLst>
+          </p:cNvPr>
+          <p:cNvSpPr>
+            <a:spLocks noGrp="1"/>
+          </p:cNvSpPr>
+          <p:nvPr>
+            <p:ph type="body" idx="1"/>
+          </p:nvPr>
+        </p:nvSpPr>
+        <p:spPr>
+          <a:xfrm>
+            <a:off x="431800" y="1004888"/>
+            <a:ext cx="8370888" cy="3467100"/>
+          </a:xfrm>
+        </p:spPr>
+        <p:txBody>
+          <a:bodyPr wrap="square" anchor="ctr">
+            <a:normAutofit/>
+          </a:bodyPr>
+          <a:lstStyle/>
+          <a:p>
+            <a:pPr algn="ctr"/>
+            <a:r>
+              <a:rPr lang="en-US" sz="1800" b="0" i="0" u="none" strike="noStrike" baseline="0" dirty="0"/>
+              <a:t>Taking your time – or someone else’s - to thoroughly test new features for robustness and performance is very important for an application’s lifecycle.</a:t>
+            </a:r>
+          </a:p>
+          <a:p>
+            <a:pPr algn="ctr"/>
+            <a:r>
+              <a:rPr lang="en-US" sz="1800" dirty="0"/>
+              <a:t>Ignoring QA can lead to unforeseen consequences…</a:t>
+            </a:r>
+            <a:endParaRPr lang="en-US" sz="1800" b="0" i="0" u="none" strike="noStrike" baseline="0" dirty="0"/>
+          </a:p>
+        </p:txBody>
+      </p:sp>
+    </p:spTree>
+    <p:extLst>
+      <p:ext uri="{BB962C8B-B14F-4D97-AF65-F5344CB8AC3E}">
+        <p14:creationId xmlns:p14="http://schemas.microsoft.com/office/powerpoint/2010/main" val="2792369416"/>
+      </p:ext>
+    </p:extLst>
+  </p:cSld>
+  <p:clrMapOvr>
+    <a:masterClrMapping/>
+  </p:clrMapOvr>
+</p:sld>
+</file>
+
+<file path=ppt/slides/slide18.xml><?xml version="1.0" encoding="utf-8"?>
+<p:sld xmlns:a="http://schemas.openxmlformats.org/drawingml/2006/main" xmlns:r="http://schemas.openxmlformats.org/officeDocument/2006/relationships" xmlns:p="http://schemas.openxmlformats.org/presentationml/2006/main">
+  <p:cSld>
+    <p:spTree>
+      <p:nvGrpSpPr>
+        <p:cNvPr id="1" name=""/>
+        <p:cNvGrpSpPr/>
+        <p:nvPr/>
+      </p:nvGrpSpPr>
+      <p:grpSpPr>
+        <a:xfrm>
+          <a:off x="0" y="0"/>
+          <a:ext cx="0" cy="0"/>
+          <a:chOff x="0" y="0"/>
+          <a:chExt cx="0" cy="0"/>
+        </a:xfrm>
+      </p:grpSpPr>
+      <p:sp>
+        <p:nvSpPr>
+          <p:cNvPr id="2" name="Title 1">
+            <a:extLst>
+              <a:ext uri="{FF2B5EF4-FFF2-40B4-BE49-F238E27FC236}">
+                <a16:creationId xmlns:a16="http://schemas.microsoft.com/office/drawing/2014/main" id="{27884AAA-7877-4B2A-8733-294E38D3DEDE}"/>
+              </a:ext>
+            </a:extLst>
+          </p:cNvPr>
+          <p:cNvSpPr>
+            <a:spLocks noGrp="1"/>
+          </p:cNvSpPr>
+          <p:nvPr>
+            <p:ph type="title"/>
+          </p:nvPr>
+        </p:nvSpPr>
+        <p:spPr>
+          <a:xfrm>
+            <a:off x="431800" y="83344"/>
+            <a:ext cx="8375650" cy="531019"/>
+          </a:xfrm>
+        </p:spPr>
+        <p:txBody>
+          <a:bodyPr wrap="square" anchor="b">
+            <a:normAutofit/>
+          </a:bodyPr>
+          <a:lstStyle/>
+          <a:p>
+            <a:r>
+              <a:rPr lang="en-US" dirty="0"/>
+              <a:t>Creepy scopes!</a:t>
+            </a:r>
+          </a:p>
+        </p:txBody>
+      </p:sp>
+      <p:sp>
+        <p:nvSpPr>
+          <p:cNvPr id="3" name="Content Placeholder 2">
+            <a:extLst>
+              <a:ext uri="{FF2B5EF4-FFF2-40B4-BE49-F238E27FC236}">
+                <a16:creationId xmlns:a16="http://schemas.microsoft.com/office/drawing/2014/main" id="{84AD9BFC-EDCB-4F75-A311-E7127E0D1B8D}"/>
+              </a:ext>
+            </a:extLst>
+          </p:cNvPr>
+          <p:cNvSpPr>
+            <a:spLocks noGrp="1"/>
+          </p:cNvSpPr>
+          <p:nvPr>
+            <p:ph type="body" idx="1"/>
+          </p:nvPr>
+        </p:nvSpPr>
+        <p:spPr>
+          <a:xfrm>
+            <a:off x="431800" y="1004888"/>
+            <a:ext cx="8370888" cy="3467100"/>
+          </a:xfrm>
+        </p:spPr>
+        <p:txBody>
+          <a:bodyPr wrap="square" anchor="ctr">
+            <a:normAutofit/>
+          </a:bodyPr>
+          <a:lstStyle/>
+          <a:p>
+            <a:pPr algn="ctr"/>
+            <a:r>
+              <a:rPr lang="en-US" sz="1800" b="0" i="0" u="none" strike="noStrike" baseline="0" dirty="0"/>
+              <a:t>Scope creep can be a real challenge, especially with such an endlessly complex topic – and very “creative” team members…</a:t>
+            </a:r>
+          </a:p>
+        </p:txBody>
+      </p:sp>
+    </p:spTree>
+    <p:extLst>
+      <p:ext uri="{BB962C8B-B14F-4D97-AF65-F5344CB8AC3E}">
+        <p14:creationId xmlns:p14="http://schemas.microsoft.com/office/powerpoint/2010/main" val="3811128625"/>
+      </p:ext>
+    </p:extLst>
+  </p:cSld>
+  <p:clrMapOvr>
+    <a:masterClrMapping/>
+  </p:clrMapOvr>
+</p:sld>
+</file>
+
+<file path=ppt/slides/slide19.xml><?xml version="1.0" encoding="utf-8"?>
+<p:sld xmlns:a="http://schemas.openxmlformats.org/drawingml/2006/main" xmlns:r="http://schemas.openxmlformats.org/officeDocument/2006/relationships" xmlns:p="http://schemas.openxmlformats.org/presentationml/2006/main">
+  <p:cSld>
+    <p:spTree>
+      <p:nvGrpSpPr>
+        <p:cNvPr id="1" name=""/>
+        <p:cNvGrpSpPr/>
+        <p:nvPr/>
+      </p:nvGrpSpPr>
+      <p:grpSpPr>
+        <a:xfrm>
+          <a:off x="0" y="0"/>
+          <a:ext cx="0" cy="0"/>
+          <a:chOff x="0" y="0"/>
+          <a:chExt cx="0" cy="0"/>
+        </a:xfrm>
+      </p:grpSpPr>
+      <p:sp>
+        <p:nvSpPr>
+          <p:cNvPr id="2" name="Title 1">
+            <a:extLst>
+              <a:ext uri="{FF2B5EF4-FFF2-40B4-BE49-F238E27FC236}">
+                <a16:creationId xmlns:a16="http://schemas.microsoft.com/office/drawing/2014/main" id="{27884AAA-7877-4B2A-8733-294E38D3DEDE}"/>
+              </a:ext>
+            </a:extLst>
+          </p:cNvPr>
+          <p:cNvSpPr>
+            <a:spLocks noGrp="1"/>
+          </p:cNvSpPr>
+          <p:nvPr>
+            <p:ph type="title"/>
+          </p:nvPr>
+        </p:nvSpPr>
+        <p:spPr>
+          <a:xfrm>
+            <a:off x="431800" y="83344"/>
+            <a:ext cx="8375650" cy="531019"/>
+          </a:xfrm>
+        </p:spPr>
+        <p:txBody>
+          <a:bodyPr wrap="square" anchor="b">
+            <a:normAutofit/>
+          </a:bodyPr>
+          <a:lstStyle/>
+          <a:p>
+            <a:r>
+              <a:rPr lang="en-US" dirty="0"/>
+              <a:t>Choice of tech stack and framework</a:t>
+            </a:r>
+          </a:p>
+        </p:txBody>
+      </p:sp>
+      <p:sp>
+        <p:nvSpPr>
+          <p:cNvPr id="3" name="Content Placeholder 2">
+            <a:extLst>
+              <a:ext uri="{FF2B5EF4-FFF2-40B4-BE49-F238E27FC236}">
+                <a16:creationId xmlns:a16="http://schemas.microsoft.com/office/drawing/2014/main" id="{84AD9BFC-EDCB-4F75-A311-E7127E0D1B8D}"/>
+              </a:ext>
+            </a:extLst>
+          </p:cNvPr>
+          <p:cNvSpPr>
+            <a:spLocks noGrp="1"/>
+          </p:cNvSpPr>
+          <p:nvPr>
+            <p:ph type="body" idx="1"/>
+          </p:nvPr>
+        </p:nvSpPr>
+        <p:spPr>
+          <a:xfrm>
+            <a:off x="431800" y="1004888"/>
+            <a:ext cx="8370888" cy="3467100"/>
+          </a:xfrm>
+        </p:spPr>
+        <p:txBody>
+          <a:bodyPr wrap="square" anchor="ctr">
+            <a:normAutofit/>
+          </a:bodyPr>
+          <a:lstStyle/>
+          <a:p>
+            <a:pPr algn="ctr"/>
+            <a:r>
+              <a:rPr lang="en-US" sz="1800" b="0" i="0" u="none" strike="noStrike" baseline="0" dirty="0"/>
+              <a:t>If your application benefits a lot from concurrency,</a:t>
+            </a:r>
+          </a:p>
+          <a:p>
+            <a:pPr algn="ctr"/>
+            <a:r>
+              <a:rPr lang="en-US" sz="1800" dirty="0"/>
+              <a:t>maybe Python isn’t the best choice of technology.</a:t>
+            </a:r>
+          </a:p>
+          <a:p>
+            <a:pPr algn="ctr"/>
+            <a:endParaRPr lang="en-US" sz="1800" dirty="0"/>
+          </a:p>
+          <a:p>
+            <a:pPr algn="ctr"/>
+            <a:r>
+              <a:rPr lang="en-US" sz="1800" b="0" i="0" u="none" strike="noStrike" baseline="0" dirty="0"/>
+              <a:t>Or, more generall</a:t>
+            </a:r>
+            <a:r>
+              <a:rPr lang="en-US" sz="1800" dirty="0"/>
+              <a:t>y speaking: an application’s requirements can change over time.</a:t>
+            </a:r>
+            <a:endParaRPr lang="en-US" sz="1800" b="0" i="0" u="none" strike="noStrike" baseline="0" dirty="0"/>
+          </a:p>
+        </p:txBody>
+      </p:sp>
+      <p:pic>
+        <p:nvPicPr>
+          <p:cNvPr id="5" name="Picture 4">
+            <a:extLst>
+              <a:ext uri="{FF2B5EF4-FFF2-40B4-BE49-F238E27FC236}">
+                <a16:creationId xmlns:a16="http://schemas.microsoft.com/office/drawing/2014/main" id="{A64C4B62-92F4-43EC-9778-A8FEA7CA5099}"/>
+              </a:ext>
+            </a:extLst>
+          </p:cNvPr>
+          <p:cNvPicPr>
+            <a:picLocks noChangeAspect="1"/>
+          </p:cNvPicPr>
+          <p:nvPr/>
+        </p:nvPicPr>
+        <p:blipFill>
+          <a:blip r:embed="rId2"/>
+          <a:stretch>
+            <a:fillRect/>
+          </a:stretch>
+        </p:blipFill>
+        <p:spPr>
+          <a:xfrm>
+            <a:off x="654844" y="1200150"/>
+            <a:ext cx="7924800" cy="577919"/>
+          </a:xfrm>
+          <a:prstGeom prst="roundRect">
+            <a:avLst>
+              <a:gd name="adj" fmla="val 4167"/>
+            </a:avLst>
+          </a:prstGeom>
+          <a:solidFill>
+            <a:srgbClr val="FFFFFF"/>
+          </a:solidFill>
+          <a:ln w="76200" cap="sq">
+            <a:solidFill>
+              <a:srgbClr val="292929"/>
+            </a:solidFill>
+            <a:miter lim="800000"/>
+          </a:ln>
+          <a:effectLst>
+            <a:reflection blurRad="12700" stA="28000" endPos="28000" dist="5000" dir="5400000" sy="-100000" algn="bl" rotWithShape="0"/>
+          </a:effectLst>
+          <a:scene3d>
+            <a:camera prst="orthographicFront"/>
+            <a:lightRig rig="threePt" dir="t">
+              <a:rot lat="0" lon="0" rev="2700000"/>
+            </a:lightRig>
+          </a:scene3d>
+          <a:sp3d>
+            <a:bevelT h="38100"/>
+            <a:contourClr>
+              <a:srgbClr val="C0C0C0"/>
+            </a:contourClr>
+          </a:sp3d>
+        </p:spPr>
+      </p:pic>
+    </p:spTree>
+    <p:extLst>
+      <p:ext uri="{BB962C8B-B14F-4D97-AF65-F5344CB8AC3E}">
+        <p14:creationId xmlns:p14="http://schemas.microsoft.com/office/powerpoint/2010/main" val="3288247277"/>
       </p:ext>
     </p:extLst>
   </p:cSld>
@@ -10099,6 +10459,435 @@
     <p:extLst>
       <p:ext uri="{BB962C8B-B14F-4D97-AF65-F5344CB8AC3E}">
         <p14:creationId xmlns:p14="http://schemas.microsoft.com/office/powerpoint/2010/main" val="2959727319"/>
+      </p:ext>
+    </p:extLst>
+  </p:cSld>
+  <p:clrMapOvr>
+    <a:masterClrMapping/>
+  </p:clrMapOvr>
+</p:sld>
+</file>
+
+<file path=ppt/slides/slide20.xml><?xml version="1.0" encoding="utf-8"?>
+<p:sld xmlns:a="http://schemas.openxmlformats.org/drawingml/2006/main" xmlns:r="http://schemas.openxmlformats.org/officeDocument/2006/relationships" xmlns:p="http://schemas.openxmlformats.org/presentationml/2006/main">
+  <p:cSld>
+    <p:spTree>
+      <p:nvGrpSpPr>
+        <p:cNvPr id="1" name=""/>
+        <p:cNvGrpSpPr/>
+        <p:nvPr/>
+      </p:nvGrpSpPr>
+      <p:grpSpPr>
+        <a:xfrm>
+          <a:off x="0" y="0"/>
+          <a:ext cx="0" cy="0"/>
+          <a:chOff x="0" y="0"/>
+          <a:chExt cx="0" cy="0"/>
+        </a:xfrm>
+      </p:grpSpPr>
+      <p:sp>
+        <p:nvSpPr>
+          <p:cNvPr id="2" name="Title 1">
+            <a:extLst>
+              <a:ext uri="{FF2B5EF4-FFF2-40B4-BE49-F238E27FC236}">
+                <a16:creationId xmlns:a16="http://schemas.microsoft.com/office/drawing/2014/main" id="{27884AAA-7877-4B2A-8733-294E38D3DEDE}"/>
+              </a:ext>
+            </a:extLst>
+          </p:cNvPr>
+          <p:cNvSpPr>
+            <a:spLocks noGrp="1"/>
+          </p:cNvSpPr>
+          <p:nvPr>
+            <p:ph type="title"/>
+          </p:nvPr>
+        </p:nvSpPr>
+        <p:spPr>
+          <a:xfrm>
+            <a:off x="431800" y="83344"/>
+            <a:ext cx="8375650" cy="531019"/>
+          </a:xfrm>
+        </p:spPr>
+        <p:txBody>
+          <a:bodyPr wrap="square" anchor="b">
+            <a:normAutofit/>
+          </a:bodyPr>
+          <a:lstStyle/>
+          <a:p>
+            <a:r>
+              <a:rPr lang="en-US" dirty="0"/>
+              <a:t>…and most importantly:</a:t>
+            </a:r>
+          </a:p>
+        </p:txBody>
+      </p:sp>
+      <p:sp>
+        <p:nvSpPr>
+          <p:cNvPr id="3" name="Content Placeholder 2">
+            <a:extLst>
+              <a:ext uri="{FF2B5EF4-FFF2-40B4-BE49-F238E27FC236}">
+                <a16:creationId xmlns:a16="http://schemas.microsoft.com/office/drawing/2014/main" id="{84AD9BFC-EDCB-4F75-A311-E7127E0D1B8D}"/>
+              </a:ext>
+            </a:extLst>
+          </p:cNvPr>
+          <p:cNvSpPr>
+            <a:spLocks noGrp="1"/>
+          </p:cNvSpPr>
+          <p:nvPr>
+            <p:ph type="body" idx="1"/>
+          </p:nvPr>
+        </p:nvSpPr>
+        <p:spPr>
+          <a:xfrm>
+            <a:off x="431800" y="1004888"/>
+            <a:ext cx="8370888" cy="3467100"/>
+          </a:xfrm>
+        </p:spPr>
+        <p:txBody>
+          <a:bodyPr wrap="square" anchor="ctr">
+            <a:normAutofit/>
+          </a:bodyPr>
+          <a:lstStyle/>
+          <a:p>
+            <a:pPr algn="ctr"/>
+            <a:r>
+              <a:rPr lang="en-US" sz="1800" b="0" i="0" u="none" strike="noStrike" baseline="0" dirty="0"/>
+              <a:t>We all learnt a lot about new skills and our own interests over the course of this project. </a:t>
+            </a:r>
+          </a:p>
+          <a:p>
+            <a:pPr algn="ctr"/>
+            <a:endParaRPr lang="en-US" sz="1800" dirty="0"/>
+          </a:p>
+          <a:p>
+            <a:pPr algn="ctr"/>
+            <a:r>
+              <a:rPr lang="en-US" sz="1800" b="0" i="0" u="none" strike="noStrike" baseline="0" dirty="0"/>
+              <a:t>Thank you so much opportunity to work on such an interesting topic with such a high degree </a:t>
+            </a:r>
+            <a:r>
+              <a:rPr lang="en-US" sz="1800" dirty="0"/>
+              <a:t>of creative freedom,</a:t>
+            </a:r>
+          </a:p>
+          <a:p>
+            <a:pPr algn="ctr"/>
+            <a:r>
+              <a:rPr lang="en-US" sz="1800" dirty="0"/>
+              <a:t>and the guidance along the way!</a:t>
+            </a:r>
+            <a:endParaRPr lang="en-US" sz="1800" b="0" i="0" u="none" strike="noStrike" baseline="0" dirty="0"/>
+          </a:p>
+        </p:txBody>
+      </p:sp>
+    </p:spTree>
+    <p:extLst>
+      <p:ext uri="{BB962C8B-B14F-4D97-AF65-F5344CB8AC3E}">
+        <p14:creationId xmlns:p14="http://schemas.microsoft.com/office/powerpoint/2010/main" val="1999557533"/>
+      </p:ext>
+    </p:extLst>
+  </p:cSld>
+  <p:clrMapOvr>
+    <a:masterClrMapping/>
+  </p:clrMapOvr>
+</p:sld>
+</file>
+
+<file path=ppt/slides/slide21.xml><?xml version="1.0" encoding="utf-8"?>
+<p:sld xmlns:a="http://schemas.openxmlformats.org/drawingml/2006/main" xmlns:r="http://schemas.openxmlformats.org/officeDocument/2006/relationships" xmlns:p="http://schemas.openxmlformats.org/presentationml/2006/main">
+  <p:cSld>
+    <p:spTree>
+      <p:nvGrpSpPr>
+        <p:cNvPr id="1" name=""/>
+        <p:cNvGrpSpPr/>
+        <p:nvPr/>
+      </p:nvGrpSpPr>
+      <p:grpSpPr>
+        <a:xfrm>
+          <a:off x="0" y="0"/>
+          <a:ext cx="0" cy="0"/>
+          <a:chOff x="0" y="0"/>
+          <a:chExt cx="0" cy="0"/>
+        </a:xfrm>
+      </p:grpSpPr>
+      <p:sp>
+        <p:nvSpPr>
+          <p:cNvPr id="2" name="Title 1">
+            <a:extLst>
+              <a:ext uri="{FF2B5EF4-FFF2-40B4-BE49-F238E27FC236}">
+                <a16:creationId xmlns:a16="http://schemas.microsoft.com/office/drawing/2014/main" id="{27884AAA-7877-4B2A-8733-294E38D3DEDE}"/>
+              </a:ext>
+            </a:extLst>
+          </p:cNvPr>
+          <p:cNvSpPr>
+            <a:spLocks noGrp="1"/>
+          </p:cNvSpPr>
+          <p:nvPr>
+            <p:ph type="title"/>
+          </p:nvPr>
+        </p:nvSpPr>
+        <p:spPr>
+          <a:xfrm>
+            <a:off x="431800" y="83344"/>
+            <a:ext cx="8375650" cy="531019"/>
+          </a:xfrm>
+        </p:spPr>
+        <p:txBody>
+          <a:bodyPr wrap="square" anchor="b">
+            <a:normAutofit/>
+          </a:bodyPr>
+          <a:lstStyle/>
+          <a:p>
+            <a:r>
+              <a:rPr lang="en-US" dirty="0"/>
+              <a:t>…and most importantly:</a:t>
+            </a:r>
+          </a:p>
+        </p:txBody>
+      </p:sp>
+      <p:sp>
+        <p:nvSpPr>
+          <p:cNvPr id="3" name="Content Placeholder 2">
+            <a:extLst>
+              <a:ext uri="{FF2B5EF4-FFF2-40B4-BE49-F238E27FC236}">
+                <a16:creationId xmlns:a16="http://schemas.microsoft.com/office/drawing/2014/main" id="{84AD9BFC-EDCB-4F75-A311-E7127E0D1B8D}"/>
+              </a:ext>
+            </a:extLst>
+          </p:cNvPr>
+          <p:cNvSpPr>
+            <a:spLocks noGrp="1"/>
+          </p:cNvSpPr>
+          <p:nvPr>
+            <p:ph type="body" idx="1"/>
+          </p:nvPr>
+        </p:nvSpPr>
+        <p:spPr>
+          <a:xfrm>
+            <a:off x="431800" y="1004888"/>
+            <a:ext cx="8370888" cy="3467100"/>
+          </a:xfrm>
+        </p:spPr>
+        <p:txBody>
+          <a:bodyPr wrap="square" anchor="ctr">
+            <a:normAutofit/>
+          </a:bodyPr>
+          <a:lstStyle/>
+          <a:p>
+            <a:pPr algn="ctr"/>
+            <a:r>
+              <a:rPr lang="en-US" sz="1800" b="0" i="0" u="none" strike="noStrike" baseline="0" dirty="0"/>
+              <a:t>We all learnt a lot about new skills and our own interests over the course of this project. </a:t>
+            </a:r>
+          </a:p>
+          <a:p>
+            <a:pPr algn="ctr"/>
+            <a:endParaRPr lang="en-US" sz="1800" dirty="0"/>
+          </a:p>
+          <a:p>
+            <a:pPr algn="ctr"/>
+            <a:r>
+              <a:rPr lang="en-US" sz="1800" b="0" i="0" u="none" strike="noStrike" baseline="0" dirty="0"/>
+              <a:t>Thank you so much opportunity to work on such an interesting topic with such a high degree </a:t>
+            </a:r>
+            <a:r>
+              <a:rPr lang="en-US" sz="1800" dirty="0"/>
+              <a:t>of creative freedom,</a:t>
+            </a:r>
+          </a:p>
+          <a:p>
+            <a:pPr algn="ctr"/>
+            <a:r>
+              <a:rPr lang="en-US" sz="1800" dirty="0"/>
+              <a:t>and the guidance along the way!</a:t>
+            </a:r>
+            <a:endParaRPr lang="en-US" sz="1800" b="0" i="0" u="none" strike="noStrike" baseline="0" dirty="0"/>
+          </a:p>
+        </p:txBody>
+      </p:sp>
+    </p:spTree>
+    <p:extLst>
+      <p:ext uri="{BB962C8B-B14F-4D97-AF65-F5344CB8AC3E}">
+        <p14:creationId xmlns:p14="http://schemas.microsoft.com/office/powerpoint/2010/main" val="4262865594"/>
+      </p:ext>
+    </p:extLst>
+  </p:cSld>
+  <p:clrMapOvr>
+    <a:masterClrMapping/>
+  </p:clrMapOvr>
+</p:sld>
+</file>
+
+<file path=ppt/slides/slide22.xml><?xml version="1.0" encoding="utf-8"?>
+<p:sld xmlns:a="http://schemas.openxmlformats.org/drawingml/2006/main" xmlns:r="http://schemas.openxmlformats.org/officeDocument/2006/relationships" xmlns:p="http://schemas.openxmlformats.org/presentationml/2006/main" show="0">
+  <p:cSld>
+    <p:spTree>
+      <p:nvGrpSpPr>
+        <p:cNvPr id="1" name=""/>
+        <p:cNvGrpSpPr/>
+        <p:nvPr/>
+      </p:nvGrpSpPr>
+      <p:grpSpPr>
+        <a:xfrm>
+          <a:off x="0" y="0"/>
+          <a:ext cx="0" cy="0"/>
+          <a:chOff x="0" y="0"/>
+          <a:chExt cx="0" cy="0"/>
+        </a:xfrm>
+      </p:grpSpPr>
+      <p:sp>
+        <p:nvSpPr>
+          <p:cNvPr id="2" name="Title 1">
+            <a:extLst>
+              <a:ext uri="{FF2B5EF4-FFF2-40B4-BE49-F238E27FC236}">
+                <a16:creationId xmlns:a16="http://schemas.microsoft.com/office/drawing/2014/main" id="{56196C44-18FC-4B12-9B42-796ED669EC39}"/>
+              </a:ext>
+            </a:extLst>
+          </p:cNvPr>
+          <p:cNvSpPr>
+            <a:spLocks noGrp="1"/>
+          </p:cNvSpPr>
+          <p:nvPr>
+            <p:ph type="title"/>
+          </p:nvPr>
+        </p:nvSpPr>
+        <p:spPr/>
+        <p:txBody>
+          <a:bodyPr/>
+          <a:lstStyle/>
+          <a:p>
+            <a:endParaRPr lang="en-US" dirty="0"/>
+          </a:p>
+        </p:txBody>
+      </p:sp>
+      <p:sp>
+        <p:nvSpPr>
+          <p:cNvPr id="3" name="Content Placeholder 2">
+            <a:extLst>
+              <a:ext uri="{FF2B5EF4-FFF2-40B4-BE49-F238E27FC236}">
+                <a16:creationId xmlns:a16="http://schemas.microsoft.com/office/drawing/2014/main" id="{E1A38F02-DE79-4A4F-A0B0-AD752012C3C9}"/>
+              </a:ext>
+            </a:extLst>
+          </p:cNvPr>
+          <p:cNvSpPr>
+            <a:spLocks noGrp="1"/>
+          </p:cNvSpPr>
+          <p:nvPr>
+            <p:ph idx="1"/>
+          </p:nvPr>
+        </p:nvSpPr>
+        <p:spPr/>
+        <p:txBody>
+          <a:bodyPr/>
+          <a:lstStyle/>
+          <a:p>
+            <a:endParaRPr lang="en-US" dirty="0"/>
+          </a:p>
+        </p:txBody>
+      </p:sp>
+      <p:sp>
+        <p:nvSpPr>
+          <p:cNvPr id="5" name="Rectangle 37">
+            <a:extLst>
+              <a:ext uri="{FF2B5EF4-FFF2-40B4-BE49-F238E27FC236}">
+                <a16:creationId xmlns:a16="http://schemas.microsoft.com/office/drawing/2014/main" id="{AEE6FF0F-050A-46C0-B22B-75ADC2D40148}"/>
+              </a:ext>
+            </a:extLst>
+          </p:cNvPr>
+          <p:cNvSpPr>
+            <a:spLocks noChangeArrowheads="1"/>
+          </p:cNvSpPr>
+          <p:nvPr/>
+        </p:nvSpPr>
+        <p:spPr bwMode="auto">
+          <a:xfrm>
+            <a:off x="431800" y="927603"/>
+            <a:ext cx="4597400" cy="371475"/>
+          </a:xfrm>
+          <a:prstGeom prst="rect">
+            <a:avLst/>
+          </a:prstGeom>
+          <a:solidFill>
+            <a:srgbClr val="BE1E3C"/>
+          </a:solidFill>
+          <a:ln w="9525" algn="ctr">
+            <a:noFill/>
+            <a:miter lim="800000"/>
+            <a:headEnd/>
+            <a:tailEnd/>
+          </a:ln>
+          <a:effectLst/>
+        </p:spPr>
+        <p:txBody>
+          <a:bodyPr wrap="none" anchor="ctr" anchorCtr="0"/>
+          <a:lstStyle/>
+          <a:p>
+            <a:r>
+              <a:rPr lang="pt-BR" sz="1400" b="1" dirty="0">
+                <a:solidFill>
+                  <a:schemeClr val="bg1"/>
+                </a:solidFill>
+                <a:latin typeface="+mj-lt"/>
+              </a:rPr>
+              <a:t>Stock information</a:t>
+            </a:r>
+          </a:p>
+        </p:txBody>
+      </p:sp>
+      <p:sp>
+        <p:nvSpPr>
+          <p:cNvPr id="7" name="Rectangle 37">
+            <a:extLst>
+              <a:ext uri="{FF2B5EF4-FFF2-40B4-BE49-F238E27FC236}">
+                <a16:creationId xmlns:a16="http://schemas.microsoft.com/office/drawing/2014/main" id="{F1BF2DF9-A2D0-4482-A190-1D526DD912F6}"/>
+              </a:ext>
+            </a:extLst>
+          </p:cNvPr>
+          <p:cNvSpPr>
+            <a:spLocks noChangeArrowheads="1"/>
+          </p:cNvSpPr>
+          <p:nvPr/>
+        </p:nvSpPr>
+        <p:spPr bwMode="auto">
+          <a:xfrm>
+            <a:off x="431800" y="1406434"/>
+            <a:ext cx="4597400" cy="3438500"/>
+          </a:xfrm>
+          <a:prstGeom prst="rect">
+            <a:avLst/>
+          </a:prstGeom>
+          <a:solidFill>
+            <a:schemeClr val="bg1"/>
+          </a:solidFill>
+          <a:ln w="9525" algn="ctr">
+            <a:solidFill>
+              <a:schemeClr val="bg1">
+                <a:lumMod val="85000"/>
+              </a:schemeClr>
+            </a:solidFill>
+            <a:miter lim="800000"/>
+            <a:headEnd/>
+            <a:tailEnd/>
+          </a:ln>
+          <a:effectLst/>
+        </p:spPr>
+        <p:txBody>
+          <a:bodyPr wrap="none" anchor="ctr" anchorCtr="0"/>
+          <a:lstStyle/>
+          <a:p>
+            <a:pPr marL="285750" indent="-285750">
+              <a:buFont typeface="Arial" panose="020B0604020202020204" pitchFamily="34" charset="0"/>
+              <a:buChar char="•"/>
+            </a:pPr>
+            <a:endParaRPr lang="pt-BR" dirty="0">
+              <a:latin typeface="Calibri" panose="020F0502020204030204" pitchFamily="34" charset="0"/>
+              <a:cs typeface="Calibri" panose="020F0502020204030204" pitchFamily="34" charset="0"/>
+            </a:endParaRPr>
+          </a:p>
+        </p:txBody>
+      </p:sp>
+    </p:spTree>
+    <p:extLst>
+      <p:ext uri="{BB962C8B-B14F-4D97-AF65-F5344CB8AC3E}">
+        <p14:creationId xmlns:p14="http://schemas.microsoft.com/office/powerpoint/2010/main" val="2573809816"/>
       </p:ext>
     </p:extLst>
   </p:cSld>
